--- a/Slides.pptx
+++ b/Slides.pptx
@@ -107,6 +107,11 @@
       </a:defRPr>
     </a:lvl9pPr>
   </p:defaultTextStyle>
+  <p:extLst>
+    <p:ext uri="{EFAFB233-063F-42B5-8137-9DF3F51BA10A}">
+      <p15:sldGuideLst xmlns:p15="http://schemas.microsoft.com/office/powerpoint/2012/main"/>
+    </p:ext>
+  </p:extLst>
 </p:presentation>
 </file>
 
@@ -3765,13 +3770,8 @@
             <a:pPr lvl="1"/>
             <a:r>
               <a:rPr lang="en-US" dirty="0"/>
-              <a:t>If there is no path to tail, </a:t>
-            </a:r>
-            <a:r>
-              <a:rPr lang="en-US"/>
-              <a:t>randomly walk</a:t>
-            </a:r>
-            <a:endParaRPr lang="en-US" dirty="0"/>
+              <a:t>If there is no path to tail, randomly walk</a:t>
+            </a:r>
           </a:p>
           <a:p>
             <a:pPr marL="0" indent="0">
